--- a/PPT/13 MongoDB 分片.pptx
+++ b/PPT/13 MongoDB 分片.pptx
@@ -145,7 +145,7 @@
   </p:defaultTextStyle>
   <p:extLst>
     <p:ext uri="{EFAFB233-063F-42B5-8137-9DF3F51BA10A}">
-      <p15:sldGuideLst xmlns="" xmlns:p15="http://schemas.microsoft.com/office/powerpoint/2012/main">
+      <p15:sldGuideLst xmlns:p15="http://schemas.microsoft.com/office/powerpoint/2012/main" xmlns="">
         <p15:guide id="1" orient="horz" pos="4320" userDrawn="1">
           <p15:clr>
             <a:srgbClr val="A4A3A4"/>
@@ -169,7 +169,7 @@
       </p15:sldGuideLst>
     </p:ext>
     <p:ext uri="{2D200454-40CA-4A62-9FC3-DE9A4176ACB9}">
-      <p15:notesGuideLst xmlns="" xmlns:p15="http://schemas.microsoft.com/office/powerpoint/2012/main"/>
+      <p15:notesGuideLst xmlns:p15="http://schemas.microsoft.com/office/powerpoint/2012/main" xmlns=""/>
     </p:ext>
   </p:extLst>
 </p:presentation>
@@ -2482,7 +2482,7 @@
           </a:ln>
           <a:extLst>
             <a:ext uri="{C572A759-6A51-4108-AA02-DFA0A04FC94B}">
-              <ma14:wrappingTextBoxFlag xmlns="" xmlns:ma14="http://schemas.microsoft.com/office/mac/drawingml/2011/main" val="1"/>
+              <ma14:wrappingTextBoxFlag xmlns:ma14="http://schemas.microsoft.com/office/mac/drawingml/2011/main" xmlns="" val="1"/>
             </a:ext>
           </a:extLst>
         </p:spPr>
@@ -2538,7 +2538,7 @@
           </a:ln>
           <a:extLst>
             <a:ext uri="{C572A759-6A51-4108-AA02-DFA0A04FC94B}">
-              <ma14:wrappingTextBoxFlag xmlns="" xmlns:ma14="http://schemas.microsoft.com/office/mac/drawingml/2011/main" val="1"/>
+              <ma14:wrappingTextBoxFlag xmlns:ma14="http://schemas.microsoft.com/office/mac/drawingml/2011/main" xmlns="" val="1"/>
             </a:ext>
           </a:extLst>
         </p:spPr>
@@ -3786,6 +3786,13 @@
       </p:transition>
     </mc:Fallback>
   </mc:AlternateContent>
+  <p:timing>
+    <p:tnLst>
+      <p:par>
+        <p:cTn id="1" dur="indefinite" restart="never" nodeType="tmRoot"/>
+      </p:par>
+    </p:tnLst>
+  </p:timing>
 </p:sld>
 </file>
 
@@ -3916,6 +3923,13 @@
       </p:transition>
     </mc:Fallback>
   </mc:AlternateContent>
+  <p:timing>
+    <p:tnLst>
+      <p:par>
+        <p:cTn id="1" dur="indefinite" restart="never" nodeType="tmRoot"/>
+      </p:par>
+    </p:tnLst>
+  </p:timing>
 </p:sld>
 </file>
 
@@ -3991,7 +4005,7 @@
         </p:blipFill>
         <p:spPr bwMode="auto">
           <a:xfrm>
-            <a:off x="1371600" y="1452563"/>
+            <a:off x="1399311" y="510300"/>
             <a:ext cx="6399213" cy="2238375"/>
           </a:xfrm>
           <a:prstGeom prst="rect">
@@ -4032,6 +4046,164 @@
           </a:extLst>
         </p:spPr>
       </p:pic>
+      <p:sp>
+        <p:nvSpPr>
+          <p:cNvPr id="3" name="TextBox 2"/>
+          <p:cNvSpPr txBox="1"/>
+          <p:nvPr/>
+        </p:nvSpPr>
+        <p:spPr>
+          <a:xfrm>
+            <a:off x="1043608" y="3723878"/>
+            <a:ext cx="4824536" cy="830997"/>
+          </a:xfrm>
+          <a:prstGeom prst="rect">
+            <a:avLst/>
+          </a:prstGeom>
+          <a:ln w="50800">
+            <a:noFill/>
+            <a:miter lim="800000"/>
+          </a:ln>
+        </p:spPr>
+        <p:txBody>
+          <a:bodyPr wrap="square" rtlCol="0">
+            <a:spAutoFit/>
+          </a:bodyPr>
+          <a:lstStyle/>
+          <a:p>
+            <a:pPr marL="0" indent="0" algn="l">
+              <a:buNone/>
+            </a:pPr>
+            <a:endParaRPr lang="zh-CN" altLang="en-US" sz="4800" dirty="0" smtClean="0">
+              <a:solidFill>
+                <a:srgbClr val="666666"/>
+              </a:solidFill>
+              <a:latin typeface="Noto Sans CJK SC Regular" panose="020B0500000000000000" pitchFamily="34" charset="-122"/>
+              <a:ea typeface="Noto Sans CJK SC Regular" panose="020B0500000000000000" pitchFamily="34" charset="-122"/>
+            </a:endParaRPr>
+          </a:p>
+        </p:txBody>
+      </p:sp>
+      <p:sp>
+        <p:nvSpPr>
+          <p:cNvPr id="4" name="TextBox 3"/>
+          <p:cNvSpPr txBox="1"/>
+          <p:nvPr/>
+        </p:nvSpPr>
+        <p:spPr>
+          <a:xfrm>
+            <a:off x="755576" y="3081397"/>
+            <a:ext cx="7349154" cy="1815882"/>
+          </a:xfrm>
+          <a:prstGeom prst="rect">
+            <a:avLst/>
+          </a:prstGeom>
+          <a:ln w="50800">
+            <a:noFill/>
+            <a:miter lim="800000"/>
+          </a:ln>
+        </p:spPr>
+        <p:txBody>
+          <a:bodyPr wrap="square" rtlCol="0">
+            <a:spAutoFit/>
+          </a:bodyPr>
+          <a:lstStyle/>
+          <a:p>
+            <a:pPr marL="0" indent="0" algn="l">
+              <a:buNone/>
+            </a:pPr>
+            <a:r>
+              <a:rPr lang="zh-CN" altLang="en-US" sz="2800" b="1" dirty="0" smtClean="0">
+                <a:solidFill>
+                  <a:schemeClr val="bg1"/>
+                </a:solidFill>
+                <a:latin typeface="宋体" panose="02010600030101010101" pitchFamily="2" charset="-122"/>
+                <a:ea typeface="宋体" panose="02010600030101010101" pitchFamily="2" charset="-122"/>
+              </a:rPr>
+              <a:t>在创建哈希分片之前，先对</a:t>
+            </a:r>
+            <a:r>
+              <a:rPr lang="en-US" altLang="zh-CN" sz="2800" b="1" dirty="0" smtClean="0">
+                <a:solidFill>
+                  <a:schemeClr val="bg1"/>
+                </a:solidFill>
+                <a:latin typeface="宋体" panose="02010600030101010101" pitchFamily="2" charset="-122"/>
+                <a:ea typeface="宋体" panose="02010600030101010101" pitchFamily="2" charset="-122"/>
+              </a:rPr>
+              <a:t>shard key</a:t>
+            </a:r>
+            <a:r>
+              <a:rPr lang="zh-CN" altLang="en-US" sz="2800" b="1" dirty="0" smtClean="0">
+                <a:solidFill>
+                  <a:schemeClr val="bg1"/>
+                </a:solidFill>
+                <a:latin typeface="宋体" panose="02010600030101010101" pitchFamily="2" charset="-122"/>
+                <a:ea typeface="宋体" panose="02010600030101010101" pitchFamily="2" charset="-122"/>
+              </a:rPr>
+              <a:t>创建哈希索引</a:t>
+            </a:r>
+            <a:endParaRPr lang="en-US" altLang="zh-CN" sz="2800" b="1" dirty="0" smtClean="0">
+              <a:solidFill>
+                <a:schemeClr val="bg1"/>
+              </a:solidFill>
+              <a:latin typeface="宋体" panose="02010600030101010101" pitchFamily="2" charset="-122"/>
+              <a:ea typeface="宋体" panose="02010600030101010101" pitchFamily="2" charset="-122"/>
+            </a:endParaRPr>
+          </a:p>
+          <a:p>
+            <a:pPr marL="0" indent="0" algn="l">
+              <a:buNone/>
+            </a:pPr>
+            <a:r>
+              <a:rPr lang="en-US" altLang="zh-CN" sz="2800" b="1" dirty="0" err="1">
+                <a:solidFill>
+                  <a:schemeClr val="bg1"/>
+                </a:solidFill>
+                <a:latin typeface="宋体" panose="02010600030101010101" pitchFamily="2" charset="-122"/>
+                <a:ea typeface="宋体" panose="02010600030101010101" pitchFamily="2" charset="-122"/>
+              </a:rPr>
+              <a:t>sh.shardCollection</a:t>
+            </a:r>
+            <a:r>
+              <a:rPr lang="en-US" altLang="zh-CN" sz="2800" b="1" dirty="0">
+                <a:solidFill>
+                  <a:schemeClr val="bg1"/>
+                </a:solidFill>
+                <a:latin typeface="宋体" panose="02010600030101010101" pitchFamily="2" charset="-122"/>
+                <a:ea typeface="宋体" panose="02010600030101010101" pitchFamily="2" charset="-122"/>
+              </a:rPr>
+              <a:t>( "</a:t>
+            </a:r>
+            <a:r>
+              <a:rPr lang="en-US" altLang="zh-CN" sz="2800" b="1" dirty="0" err="1">
+                <a:solidFill>
+                  <a:schemeClr val="bg1"/>
+                </a:solidFill>
+                <a:latin typeface="宋体" panose="02010600030101010101" pitchFamily="2" charset="-122"/>
+                <a:ea typeface="宋体" panose="02010600030101010101" pitchFamily="2" charset="-122"/>
+              </a:rPr>
+              <a:t>database.collection</a:t>
+            </a:r>
+            <a:r>
+              <a:rPr lang="en-US" altLang="zh-CN" sz="2800" b="1" dirty="0">
+                <a:solidFill>
+                  <a:schemeClr val="bg1"/>
+                </a:solidFill>
+                <a:latin typeface="宋体" panose="02010600030101010101" pitchFamily="2" charset="-122"/>
+                <a:ea typeface="宋体" panose="02010600030101010101" pitchFamily="2" charset="-122"/>
+              </a:rPr>
+              <a:t>", { &lt;field&gt; : "hashed" } )</a:t>
+            </a:r>
+            <a:endParaRPr lang="zh-CN" altLang="en-US" sz="2800" b="1" dirty="0">
+              <a:solidFill>
+                <a:schemeClr val="bg1"/>
+              </a:solidFill>
+              <a:latin typeface="宋体" panose="02010600030101010101" pitchFamily="2" charset="-122"/>
+              <a:ea typeface="宋体" panose="02010600030101010101" pitchFamily="2" charset="-122"/>
+            </a:endParaRPr>
+          </a:p>
+        </p:txBody>
+      </p:sp>
     </p:spTree>
     <p:extLst>
       <p:ext uri="{BB962C8B-B14F-4D97-AF65-F5344CB8AC3E}">
@@ -4054,6 +4226,13 @@
       </p:transition>
     </mc:Fallback>
   </mc:AlternateContent>
+  <p:timing>
+    <p:tnLst>
+      <p:par>
+        <p:cTn id="1" dur="indefinite" restart="never" nodeType="tmRoot"/>
+      </p:par>
+    </p:tnLst>
+  </p:timing>
 </p:sld>
 </file>
 
@@ -4129,7 +4308,7 @@
         </p:blipFill>
         <p:spPr bwMode="auto">
           <a:xfrm>
-            <a:off x="1281113" y="1504950"/>
+            <a:off x="1043608" y="771550"/>
             <a:ext cx="6580187" cy="2133600"/>
           </a:xfrm>
           <a:prstGeom prst="rect">
@@ -4170,6 +4349,124 @@
           </a:extLst>
         </p:spPr>
       </p:pic>
+      <p:sp>
+        <p:nvSpPr>
+          <p:cNvPr id="7" name="TextBox 6"/>
+          <p:cNvSpPr txBox="1"/>
+          <p:nvPr/>
+        </p:nvSpPr>
+        <p:spPr>
+          <a:xfrm>
+            <a:off x="755576" y="3081397"/>
+            <a:ext cx="7349154" cy="954107"/>
+          </a:xfrm>
+          <a:prstGeom prst="rect">
+            <a:avLst/>
+          </a:prstGeom>
+          <a:ln w="50800">
+            <a:noFill/>
+            <a:miter lim="800000"/>
+          </a:ln>
+        </p:spPr>
+        <p:txBody>
+          <a:bodyPr wrap="square" rtlCol="0">
+            <a:spAutoFit/>
+          </a:bodyPr>
+          <a:lstStyle/>
+          <a:p>
+            <a:pPr marL="0" indent="0" algn="l">
+              <a:buNone/>
+            </a:pPr>
+            <a:r>
+              <a:rPr lang="en-US" altLang="zh-CN" sz="2800" dirty="0" err="1">
+                <a:solidFill>
+                  <a:schemeClr val="bg1"/>
+                </a:solidFill>
+              </a:rPr>
+              <a:t>sh.shardCollection</a:t>
+            </a:r>
+            <a:r>
+              <a:rPr lang="en-US" altLang="zh-CN" sz="2800" dirty="0">
+                <a:solidFill>
+                  <a:schemeClr val="bg1"/>
+                </a:solidFill>
+              </a:rPr>
+              <a:t>( </a:t>
+            </a:r>
+            <a:r>
+              <a:rPr lang="en-US" altLang="zh-CN" sz="2800" dirty="0">
+                <a:solidFill>
+                  <a:schemeClr val="bg1"/>
+                </a:solidFill>
+              </a:rPr>
+              <a:t>"</a:t>
+            </a:r>
+            <a:r>
+              <a:rPr lang="en-US" altLang="zh-CN" sz="2800" dirty="0" err="1">
+                <a:solidFill>
+                  <a:schemeClr val="bg1"/>
+                </a:solidFill>
+              </a:rPr>
+              <a:t>database.collection</a:t>
+            </a:r>
+            <a:r>
+              <a:rPr lang="en-US" altLang="zh-CN" sz="2800" dirty="0">
+                <a:solidFill>
+                  <a:schemeClr val="bg1"/>
+                </a:solidFill>
+              </a:rPr>
+              <a:t>"</a:t>
+            </a:r>
+            <a:r>
+              <a:rPr lang="en-US" altLang="zh-CN" sz="2800" dirty="0">
+                <a:solidFill>
+                  <a:schemeClr val="bg1"/>
+                </a:solidFill>
+              </a:rPr>
+              <a:t>, { </a:t>
+            </a:r>
+            <a:r>
+              <a:rPr lang="en-US" altLang="zh-CN" sz="2800" dirty="0">
+                <a:solidFill>
+                  <a:schemeClr val="bg1"/>
+                </a:solidFill>
+              </a:rPr>
+              <a:t>&lt;</a:t>
+            </a:r>
+            <a:r>
+              <a:rPr lang="en-US" altLang="zh-CN" sz="2800" dirty="0">
+                <a:solidFill>
+                  <a:schemeClr val="bg1"/>
+                </a:solidFill>
+              </a:rPr>
+              <a:t>shard key</a:t>
+            </a:r>
+            <a:r>
+              <a:rPr lang="en-US" altLang="zh-CN" sz="2800" dirty="0">
+                <a:solidFill>
+                  <a:schemeClr val="bg1"/>
+                </a:solidFill>
+              </a:rPr>
+              <a:t>&gt;</a:t>
+            </a:r>
+            <a:r>
+              <a:rPr lang="en-US" altLang="zh-CN" sz="2800" dirty="0">
+                <a:solidFill>
+                  <a:schemeClr val="bg1"/>
+                </a:solidFill>
+              </a:rPr>
+              <a:t> } )</a:t>
+            </a:r>
+            <a:endParaRPr lang="zh-CN" altLang="en-US" sz="2800" b="1" dirty="0">
+              <a:solidFill>
+                <a:schemeClr val="bg1"/>
+              </a:solidFill>
+              <a:latin typeface="宋体" panose="02010600030101010101" pitchFamily="2" charset="-122"/>
+              <a:ea typeface="宋体" panose="02010600030101010101" pitchFamily="2" charset="-122"/>
+            </a:endParaRPr>
+          </a:p>
+        </p:txBody>
+      </p:sp>
     </p:spTree>
     <p:extLst>
       <p:ext uri="{BB962C8B-B14F-4D97-AF65-F5344CB8AC3E}">
@@ -4192,6 +4489,13 @@
       </p:transition>
     </mc:Fallback>
   </mc:AlternateContent>
+  <p:timing>
+    <p:tnLst>
+      <p:par>
+        <p:cTn id="1" dur="indefinite" restart="never" nodeType="tmRoot"/>
+      </p:par>
+    </p:tnLst>
+  </p:timing>
 </p:sld>
 </file>
 
@@ -4669,6 +4973,13 @@
       </p:transition>
     </mc:Fallback>
   </mc:AlternateContent>
+  <p:timing>
+    <p:tnLst>
+      <p:par>
+        <p:cTn id="1" dur="indefinite" restart="never" nodeType="tmRoot"/>
+      </p:par>
+    </p:tnLst>
+  </p:timing>
 </p:sld>
 </file>
 
@@ -5073,6 +5384,13 @@
       </p:transition>
     </mc:Fallback>
   </mc:AlternateContent>
+  <p:timing>
+    <p:tnLst>
+      <p:par>
+        <p:cTn id="1" dur="indefinite" restart="never" nodeType="tmRoot"/>
+      </p:par>
+    </p:tnLst>
+  </p:timing>
 </p:sld>
 </file>
 
@@ -5203,6 +5521,13 @@
       </p:transition>
     </mc:Fallback>
   </mc:AlternateContent>
+  <p:timing>
+    <p:tnLst>
+      <p:par>
+        <p:cTn id="1" dur="indefinite" restart="never" nodeType="tmRoot"/>
+      </p:par>
+    </p:tnLst>
+  </p:timing>
 </p:sld>
 </file>
 
@@ -5331,6 +5656,13 @@
       </p:transition>
     </mc:Fallback>
   </mc:AlternateContent>
+  <p:timing>
+    <p:tnLst>
+      <p:par>
+        <p:cTn id="1" dur="indefinite" restart="never" nodeType="tmRoot"/>
+      </p:par>
+    </p:tnLst>
+  </p:timing>
 </p:sld>
 </file>
 
@@ -5527,6 +5859,13 @@
       </p:transition>
     </mc:Fallback>
   </mc:AlternateContent>
+  <p:timing>
+    <p:tnLst>
+      <p:par>
+        <p:cTn id="1" dur="indefinite" restart="never" nodeType="tmRoot"/>
+      </p:par>
+    </p:tnLst>
+  </p:timing>
 </p:sld>
 </file>
 
@@ -6022,6 +6361,13 @@
       </p:transition>
     </mc:Fallback>
   </mc:AlternateContent>
+  <p:timing>
+    <p:tnLst>
+      <p:par>
+        <p:cTn id="1" dur="indefinite" restart="never" nodeType="tmRoot"/>
+      </p:par>
+    </p:tnLst>
+  </p:timing>
 </p:sld>
 </file>
 
@@ -6319,6 +6665,13 @@
       </p:transition>
     </mc:Fallback>
   </mc:AlternateContent>
+  <p:timing>
+    <p:tnLst>
+      <p:par>
+        <p:cTn id="1" dur="indefinite" restart="never" nodeType="tmRoot"/>
+      </p:par>
+    </p:tnLst>
+  </p:timing>
 </p:sld>
 </file>
 
@@ -6735,6 +7088,13 @@
       </p:transition>
     </mc:Fallback>
   </mc:AlternateContent>
+  <p:timing>
+    <p:tnLst>
+      <p:par>
+        <p:cTn id="1" dur="indefinite" restart="never" nodeType="tmRoot"/>
+      </p:par>
+    </p:tnLst>
+  </p:timing>
 </p:sld>
 </file>
 
@@ -6988,6 +7348,13 @@
       </p:transition>
     </mc:Fallback>
   </mc:AlternateContent>
+  <p:timing>
+    <p:tnLst>
+      <p:par>
+        <p:cTn id="1" dur="indefinite" restart="never" nodeType="tmRoot"/>
+      </p:par>
+    </p:tnLst>
+  </p:timing>
 </p:sld>
 </file>
 
@@ -7261,7 +7628,6 @@
               <a:rPr lang="zh-CN" altLang="en-US" sz="3200" dirty="0"/>
               <a:t>数据块的管理</a:t>
             </a:r>
-            <a:endParaRPr lang="zh-CN" altLang="en-US" sz="3200" dirty="0"/>
           </a:p>
         </p:txBody>
       </p:sp>
@@ -7382,7 +7748,16 @@
                 </a:solidFill>
                 <a:latin typeface="Calibri" panose="020F0502020204030204" pitchFamily="34" charset="0"/>
               </a:rPr>
-              <a:t>( { _id:</a:t>
+              <a:t>( { _id:"</a:t>
+            </a:r>
+            <a:r>
+              <a:rPr lang="en-US" altLang="zh-CN" sz="2400" dirty="0" err="1">
+                <a:solidFill>
+                  <a:schemeClr val="bg1"/>
+                </a:solidFill>
+                <a:latin typeface="Calibri" panose="020F0502020204030204" pitchFamily="34" charset="0"/>
+              </a:rPr>
+              <a:t>chunksize</a:t>
             </a:r>
             <a:r>
               <a:rPr lang="en-US" altLang="zh-CN" sz="2400" dirty="0">
@@ -7391,34 +7766,7 @@
                 </a:solidFill>
                 <a:latin typeface="Calibri" panose="020F0502020204030204" pitchFamily="34" charset="0"/>
               </a:rPr>
-              <a:t>"</a:t>
-            </a:r>
-            <a:r>
-              <a:rPr lang="en-US" altLang="zh-CN" sz="2400" dirty="0" err="1">
-                <a:solidFill>
-                  <a:schemeClr val="bg1"/>
-                </a:solidFill>
-                <a:latin typeface="Calibri" panose="020F0502020204030204" pitchFamily="34" charset="0"/>
-              </a:rPr>
-              <a:t>chunksize</a:t>
-            </a:r>
-            <a:r>
-              <a:rPr lang="en-US" altLang="zh-CN" sz="2400" dirty="0">
-                <a:solidFill>
-                  <a:schemeClr val="bg1"/>
-                </a:solidFill>
-                <a:latin typeface="Calibri" panose="020F0502020204030204" pitchFamily="34" charset="0"/>
-              </a:rPr>
-              <a:t>"</a:t>
-            </a:r>
-            <a:r>
-              <a:rPr lang="en-US" altLang="zh-CN" sz="2400" dirty="0">
-                <a:solidFill>
-                  <a:schemeClr val="bg1"/>
-                </a:solidFill>
-                <a:latin typeface="Calibri" panose="020F0502020204030204" pitchFamily="34" charset="0"/>
-              </a:rPr>
-              <a:t>, value: &lt;</a:t>
+              <a:t>", value: &lt;</a:t>
             </a:r>
             <a:r>
               <a:rPr lang="en-US" altLang="zh-CN" sz="2400" dirty="0" err="1">
@@ -7469,6 +7817,13 @@
       </p:transition>
     </mc:Fallback>
   </mc:AlternateContent>
+  <p:timing>
+    <p:tnLst>
+      <p:par>
+        <p:cTn id="1" dur="indefinite" restart="never" nodeType="tmRoot"/>
+      </p:par>
+    </p:tnLst>
+  </p:timing>
 </p:sld>
 </file>
 
@@ -7514,7 +7869,6 @@
               <a:rPr lang="zh-CN" altLang="en-US" sz="3200" dirty="0"/>
               <a:t>的迁移</a:t>
             </a:r>
-            <a:endParaRPr lang="zh-CN" altLang="en-US" sz="3200" dirty="0"/>
           </a:p>
         </p:txBody>
       </p:sp>
@@ -7676,7 +8030,7 @@
               <a:t>--</a:t>
             </a:r>
             <a:r>
-              <a:rPr lang="en-US" altLang="zh-CN" sz="2400" dirty="0" err="1">
+              <a:rPr lang="en-US" altLang="zh-CN" sz="2400" dirty="0" err="1" smtClean="0">
                 <a:solidFill>
                   <a:schemeClr val="bg1"/>
                 </a:solidFill>
@@ -7686,6 +8040,16 @@
               <a:t>dbpath</a:t>
             </a:r>
             <a:r>
+              <a:rPr lang="en-US" altLang="zh-CN" sz="2400" dirty="0" smtClean="0">
+                <a:solidFill>
+                  <a:schemeClr val="bg1"/>
+                </a:solidFill>
+                <a:latin typeface="宋体" panose="02010600030101010101" pitchFamily="2" charset="-122"/>
+                <a:ea typeface="宋体" panose="02010600030101010101" pitchFamily="2" charset="-122"/>
+              </a:rPr>
+              <a:t>=config1\ </a:t>
+            </a:r>
+            <a:r>
               <a:rPr lang="en-US" altLang="zh-CN" sz="2400" dirty="0">
                 <a:solidFill>
                   <a:schemeClr val="bg1"/>
@@ -7693,7 +8057,7 @@
                 <a:latin typeface="宋体" panose="02010600030101010101" pitchFamily="2" charset="-122"/>
                 <a:ea typeface="宋体" panose="02010600030101010101" pitchFamily="2" charset="-122"/>
               </a:rPr>
-              <a:t>=config\ --port 4</a:t>
+              <a:t>--port 4</a:t>
             </a:r>
             <a:r>
               <a:rPr lang="en-US" altLang="zh-CN" sz="2400" dirty="0" smtClean="0">
@@ -7728,17 +8092,7 @@
                 <a:latin typeface="宋体" panose="02010600030101010101" pitchFamily="2" charset="-122"/>
                 <a:ea typeface="宋体" panose="02010600030101010101" pitchFamily="2" charset="-122"/>
               </a:rPr>
-              <a:t>、</a:t>
-            </a:r>
-            <a:r>
-              <a:rPr lang="zh-CN" altLang="en-US" sz="2400" dirty="0" smtClean="0">
-                <a:solidFill>
-                  <a:schemeClr val="bg1"/>
-                </a:solidFill>
-                <a:latin typeface="宋体" panose="02010600030101010101" pitchFamily="2" charset="-122"/>
-                <a:ea typeface="宋体" panose="02010600030101010101" pitchFamily="2" charset="-122"/>
-              </a:rPr>
-              <a:t>添加新实例</a:t>
+              <a:t>、添加新实例</a:t>
             </a:r>
             <a:endParaRPr lang="en-US" altLang="zh-CN" sz="2400" dirty="0" smtClean="0">
               <a:solidFill>
@@ -7893,6 +8247,13 @@
       </p:transition>
     </mc:Fallback>
   </mc:AlternateContent>
+  <p:timing>
+    <p:tnLst>
+      <p:par>
+        <p:cTn id="1" dur="indefinite" restart="never" nodeType="tmRoot"/>
+      </p:par>
+    </p:tnLst>
+  </p:timing>
 </p:sld>
 </file>
 
@@ -7934,7 +8295,6 @@
               <a:rPr lang="zh-CN" altLang="en-US" sz="3200" dirty="0"/>
               <a:t>常用语句</a:t>
             </a:r>
-            <a:endParaRPr lang="zh-CN" altLang="en-US" sz="3200" dirty="0"/>
           </a:p>
         </p:txBody>
       </p:sp>
@@ -7964,7 +8324,7 @@
               <a:buNone/>
             </a:pPr>
             <a:r>
-              <a:rPr lang="en-US" altLang="zh-CN" sz="2800" dirty="0" err="1">
+              <a:rPr lang="en-US" altLang="zh-CN" sz="2800" dirty="0" err="1" smtClean="0">
                 <a:solidFill>
                   <a:schemeClr val="bg1"/>
                 </a:solidFill>
@@ -7974,14 +8334,54 @@
               <a:t>sh.enableSharding</a:t>
             </a:r>
             <a:r>
-              <a:rPr lang="en-US" altLang="zh-CN" sz="2800" dirty="0">
+              <a:rPr lang="en-US" altLang="zh-CN" sz="2800" dirty="0" smtClean="0">
                 <a:solidFill>
                   <a:schemeClr val="bg1"/>
                 </a:solidFill>
                 <a:latin typeface="Calibri" panose="020F0502020204030204" pitchFamily="34" charset="0"/>
                 <a:ea typeface="宋体" panose="02010600030101010101" pitchFamily="2" charset="-122"/>
               </a:rPr>
-              <a:t>()</a:t>
+              <a:t>(</a:t>
+            </a:r>
+            <a:r>
+              <a:rPr lang="zh-CN" altLang="en-US" sz="2800" dirty="0" smtClean="0">
+                <a:solidFill>
+                  <a:schemeClr val="bg1"/>
+                </a:solidFill>
+                <a:latin typeface="Calibri" panose="020F0502020204030204" pitchFamily="34" charset="0"/>
+                <a:ea typeface="宋体" panose="02010600030101010101" pitchFamily="2" charset="-122"/>
+              </a:rPr>
+              <a:t>“</a:t>
+            </a:r>
+            <a:r>
+              <a:rPr lang="en-US" altLang="zh-CN" sz="2800" dirty="0" err="1" smtClean="0">
+                <a:solidFill>
+                  <a:schemeClr val="bg1"/>
+                </a:solidFill>
+                <a:latin typeface="Calibri" panose="020F0502020204030204" pitchFamily="34" charset="0"/>
+                <a:ea typeface="宋体" panose="02010600030101010101" pitchFamily="2" charset="-122"/>
+              </a:rPr>
+              <a:t>databaseName</a:t>
+            </a:r>
+            <a:r>
+              <a:rPr lang="zh-CN" altLang="en-US" sz="2800" dirty="0" smtClean="0">
+                <a:solidFill>
+                  <a:schemeClr val="bg1"/>
+                </a:solidFill>
+                <a:latin typeface="Calibri" panose="020F0502020204030204" pitchFamily="34" charset="0"/>
+                <a:ea typeface="宋体" panose="02010600030101010101" pitchFamily="2" charset="-122"/>
+              </a:rPr>
+              <a:t>”</a:t>
+            </a:r>
+            <a:r>
+              <a:rPr lang="en-US" altLang="zh-CN" sz="2800" dirty="0" smtClean="0">
+                <a:solidFill>
+                  <a:schemeClr val="bg1"/>
+                </a:solidFill>
+                <a:latin typeface="Calibri" panose="020F0502020204030204" pitchFamily="34" charset="0"/>
+                <a:ea typeface="宋体" panose="02010600030101010101" pitchFamily="2" charset="-122"/>
+              </a:rPr>
+              <a:t>)</a:t>
             </a:r>
             <a:r>
               <a:rPr lang="zh-CN" altLang="en-US" sz="2800" dirty="0">
@@ -8006,14 +8406,14 @@
               <a:buNone/>
             </a:pPr>
             <a:r>
-              <a:rPr lang="en-US" altLang="zh-CN" sz="2800" dirty="0" err="1">
+              <a:rPr lang="en-US" altLang="zh-CN" sz="2800" dirty="0" err="1" smtClean="0">
                 <a:solidFill>
                   <a:schemeClr val="bg1"/>
                 </a:solidFill>
                 <a:latin typeface="Calibri" panose="020F0502020204030204" pitchFamily="34" charset="0"/>
                 <a:ea typeface="宋体" panose="02010600030101010101" pitchFamily="2" charset="-122"/>
               </a:rPr>
-              <a:t>sh.shardColletion</a:t>
+              <a:t>sh.shardCollection</a:t>
             </a:r>
             <a:r>
               <a:rPr lang="en-US" altLang="zh-CN" sz="2800" dirty="0">
@@ -8258,6 +8658,13 @@
       </p:transition>
     </mc:Fallback>
   </mc:AlternateContent>
+  <p:timing>
+    <p:tnLst>
+      <p:par>
+        <p:cTn id="1" dur="indefinite" restart="never" nodeType="tmRoot"/>
+      </p:par>
+    </p:tnLst>
+  </p:timing>
 </p:sld>
 </file>
 
@@ -8523,6 +8930,13 @@
       </p:transition>
     </mc:Fallback>
   </mc:AlternateContent>
+  <p:timing>
+    <p:tnLst>
+      <p:par>
+        <p:cTn id="1" dur="indefinite" restart="never" nodeType="tmRoot"/>
+      </p:par>
+    </p:tnLst>
+  </p:timing>
 </p:sld>
 </file>
 
@@ -8564,7 +8978,6 @@
               <a:rPr lang="zh-CN" altLang="en-US" sz="3200" dirty="0"/>
               <a:t>搭建分片集群环境</a:t>
             </a:r>
-            <a:endParaRPr lang="zh-CN" altLang="en-US" sz="3200" dirty="0"/>
           </a:p>
         </p:txBody>
       </p:sp>
@@ -8948,22 +9361,130 @@
                 <a:latin typeface="宋体" panose="02010600030101010101" pitchFamily="2" charset="-122"/>
                 <a:ea typeface="宋体" panose="02010600030101010101" pitchFamily="2" charset="-122"/>
               </a:rPr>
-              <a:t>()</a:t>
-            </a:r>
-            <a:endParaRPr lang="en-US" altLang="zh-CN" sz="1600" b="1" dirty="0">
-              <a:solidFill>
-                <a:schemeClr val="bg1"/>
-              </a:solidFill>
-              <a:latin typeface="宋体" panose="02010600030101010101" pitchFamily="2" charset="-122"/>
-              <a:ea typeface="宋体" panose="02010600030101010101" pitchFamily="2" charset="-122"/>
-            </a:endParaRPr>
+              <a:t>(</a:t>
+            </a:r>
+            <a:r>
+              <a:rPr lang="zh-CN" altLang="en-US" sz="1600" b="1" dirty="0" smtClean="0">
+                <a:solidFill>
+                  <a:schemeClr val="bg1"/>
+                </a:solidFill>
+                <a:latin typeface="宋体" panose="02010600030101010101" pitchFamily="2" charset="-122"/>
+                <a:ea typeface="宋体" panose="02010600030101010101" pitchFamily="2" charset="-122"/>
+              </a:rPr>
+              <a:t>“</a:t>
+            </a:r>
+            <a:r>
+              <a:rPr lang="en-US" altLang="zh-CN" sz="1600" b="1" dirty="0" smtClean="0">
+                <a:solidFill>
+                  <a:schemeClr val="bg1"/>
+                </a:solidFill>
+                <a:latin typeface="宋体" panose="02010600030101010101" pitchFamily="2" charset="-122"/>
+                <a:ea typeface="宋体" panose="02010600030101010101" pitchFamily="2" charset="-122"/>
+              </a:rPr>
+              <a:t>127.0.0.1</a:t>
+            </a:r>
+            <a:r>
+              <a:rPr lang="en-US" altLang="zh-CN" sz="1600" b="1" dirty="0" smtClean="0">
+                <a:solidFill>
+                  <a:schemeClr val="bg1"/>
+                </a:solidFill>
+                <a:latin typeface="宋体" panose="02010600030101010101" pitchFamily="2" charset="-122"/>
+                <a:ea typeface="宋体" panose="02010600030101010101" pitchFamily="2" charset="-122"/>
+              </a:rPr>
+              <a:t>:21001</a:t>
+            </a:r>
+            <a:r>
+              <a:rPr lang="zh-CN" altLang="en-US" sz="1600" b="1" dirty="0" smtClean="0">
+                <a:solidFill>
+                  <a:schemeClr val="bg1"/>
+                </a:solidFill>
+                <a:latin typeface="宋体" panose="02010600030101010101" pitchFamily="2" charset="-122"/>
+                <a:ea typeface="宋体" panose="02010600030101010101" pitchFamily="2" charset="-122"/>
+              </a:rPr>
+              <a:t>”</a:t>
+            </a:r>
+            <a:r>
+              <a:rPr lang="en-US" altLang="zh-CN" sz="1600" b="1" dirty="0" smtClean="0">
+                <a:solidFill>
+                  <a:schemeClr val="bg1"/>
+                </a:solidFill>
+                <a:latin typeface="宋体" panose="02010600030101010101" pitchFamily="2" charset="-122"/>
+                <a:ea typeface="宋体" panose="02010600030101010101" pitchFamily="2" charset="-122"/>
+              </a:rPr>
+              <a:t>)</a:t>
+            </a:r>
           </a:p>
           <a:p>
             <a:pPr marL="71550" indent="0">
               <a:buNone/>
             </a:pPr>
             <a:r>
+              <a:rPr lang="en-US" altLang="zh-CN" sz="1600" b="1" dirty="0" err="1">
+                <a:solidFill>
+                  <a:schemeClr val="bg1"/>
+                </a:solidFill>
+                <a:latin typeface="宋体" panose="02010600030101010101" pitchFamily="2" charset="-122"/>
+                <a:ea typeface="宋体" panose="02010600030101010101" pitchFamily="2" charset="-122"/>
+              </a:rPr>
+              <a:t>rs.add</a:t>
+            </a:r>
+            <a:r>
               <a:rPr lang="en-US" altLang="zh-CN" sz="1600" b="1" dirty="0">
+                <a:solidFill>
+                  <a:schemeClr val="bg1"/>
+                </a:solidFill>
+                <a:latin typeface="宋体" panose="02010600030101010101" pitchFamily="2" charset="-122"/>
+                <a:ea typeface="宋体" panose="02010600030101010101" pitchFamily="2" charset="-122"/>
+              </a:rPr>
+              <a:t>(</a:t>
+            </a:r>
+            <a:r>
+              <a:rPr lang="zh-CN" altLang="en-US" sz="1600" b="1" dirty="0">
+                <a:solidFill>
+                  <a:schemeClr val="bg1"/>
+                </a:solidFill>
+                <a:latin typeface="宋体" panose="02010600030101010101" pitchFamily="2" charset="-122"/>
+                <a:ea typeface="宋体" panose="02010600030101010101" pitchFamily="2" charset="-122"/>
+              </a:rPr>
+              <a:t>“</a:t>
+            </a:r>
+            <a:r>
+              <a:rPr lang="en-US" altLang="zh-CN" sz="1600" b="1" dirty="0" smtClean="0">
+                <a:solidFill>
+                  <a:schemeClr val="bg1"/>
+                </a:solidFill>
+                <a:latin typeface="宋体" panose="02010600030101010101" pitchFamily="2" charset="-122"/>
+                <a:ea typeface="宋体" panose="02010600030101010101" pitchFamily="2" charset="-122"/>
+              </a:rPr>
+              <a:t>127.0.0.1:21002</a:t>
+            </a:r>
+            <a:r>
+              <a:rPr lang="zh-CN" altLang="en-US" sz="1600" b="1" dirty="0" smtClean="0">
+                <a:solidFill>
+                  <a:schemeClr val="bg1"/>
+                </a:solidFill>
+                <a:latin typeface="宋体" panose="02010600030101010101" pitchFamily="2" charset="-122"/>
+                <a:ea typeface="宋体" panose="02010600030101010101" pitchFamily="2" charset="-122"/>
+              </a:rPr>
+              <a:t>”</a:t>
+            </a:r>
+            <a:r>
+              <a:rPr lang="en-US" altLang="zh-CN" sz="1600" b="1" dirty="0">
+                <a:solidFill>
+                  <a:schemeClr val="bg1"/>
+                </a:solidFill>
+                <a:latin typeface="宋体" panose="02010600030101010101" pitchFamily="2" charset="-122"/>
+                <a:ea typeface="宋体" panose="02010600030101010101" pitchFamily="2" charset="-122"/>
+              </a:rPr>
+              <a:t>)</a:t>
+            </a:r>
+          </a:p>
+          <a:p>
+            <a:pPr marL="71550" indent="0">
+              <a:buNone/>
+            </a:pPr>
+            <a:r>
+              <a:rPr lang="en-US" altLang="zh-CN" sz="1600" b="1" dirty="0" smtClean="0">
                 <a:solidFill>
                   <a:schemeClr val="bg1"/>
                 </a:solidFill>
@@ -9254,6 +9775,13 @@
       </p:transition>
     </mc:Fallback>
   </mc:AlternateContent>
+  <p:timing>
+    <p:tnLst>
+      <p:par>
+        <p:cTn id="1" dur="indefinite" restart="never" nodeType="tmRoot"/>
+      </p:par>
+    </p:tnLst>
+  </p:timing>
 </p:sld>
 </file>
 
@@ -9295,7 +9823,6 @@
               <a:rPr lang="zh-CN" altLang="en-US" sz="3200" dirty="0"/>
               <a:t>搭建分片集群环境</a:t>
             </a:r>
-            <a:endParaRPr lang="zh-CN" altLang="en-US" sz="3200" dirty="0"/>
           </a:p>
         </p:txBody>
       </p:sp>
@@ -9746,17 +10273,7 @@
                 <a:latin typeface="宋体" panose="02010600030101010101" pitchFamily="2" charset="-122"/>
                 <a:ea typeface="宋体" panose="02010600030101010101" pitchFamily="2" charset="-122"/>
               </a:rPr>
-              <a:t>、查看</a:t>
-            </a:r>
-            <a:r>
-              <a:rPr lang="zh-CN" altLang="en-US" sz="1800" b="1" dirty="0">
-                <a:solidFill>
-                  <a:schemeClr val="bg1"/>
-                </a:solidFill>
-                <a:latin typeface="宋体" panose="02010600030101010101" pitchFamily="2" charset="-122"/>
-                <a:ea typeface="宋体" panose="02010600030101010101" pitchFamily="2" charset="-122"/>
-              </a:rPr>
-              <a:t>分片信息</a:t>
+              <a:t>、查看分片信息</a:t>
             </a:r>
           </a:p>
           <a:p>
@@ -9815,6 +10332,13 @@
       </p:transition>
     </mc:Fallback>
   </mc:AlternateContent>
+  <p:timing>
+    <p:tnLst>
+      <p:par>
+        <p:cTn id="1" dur="indefinite" restart="never" nodeType="tmRoot"/>
+      </p:par>
+    </p:tnLst>
+  </p:timing>
 </p:sld>
 </file>
 
@@ -10087,6 +10611,13 @@
       </p:transition>
     </mc:Fallback>
   </mc:AlternateContent>
+  <p:timing>
+    <p:tnLst>
+      <p:par>
+        <p:cTn id="1" dur="indefinite" restart="never" nodeType="tmRoot"/>
+      </p:par>
+    </p:tnLst>
+  </p:timing>
 </p:sld>
 </file>
 
@@ -10153,7 +10684,7 @@
           </a:ln>
           <a:extLst>
             <a:ext uri="{C572A759-6A51-4108-AA02-DFA0A04FC94B}">
-              <ma14:wrappingTextBoxFlag xmlns="" xmlns:ma14="http://schemas.microsoft.com/office/mac/drawingml/2011/main" val="1"/>
+              <ma14:wrappingTextBoxFlag xmlns:ma14="http://schemas.microsoft.com/office/mac/drawingml/2011/main" xmlns="" val="1"/>
             </a:ext>
           </a:extLst>
         </p:spPr>
@@ -10501,6 +11032,13 @@
       </p:transition>
     </mc:Fallback>
   </mc:AlternateContent>
+  <p:timing>
+    <p:tnLst>
+      <p:par>
+        <p:cTn id="1" dur="indefinite" restart="never" nodeType="tmRoot"/>
+      </p:par>
+    </p:tnLst>
+  </p:timing>
 </p:sld>
 </file>
 
@@ -10640,6 +11178,13 @@
       </p:transition>
     </mc:Fallback>
   </mc:AlternateContent>
+  <p:timing>
+    <p:tnLst>
+      <p:par>
+        <p:cTn id="1" dur="indefinite" restart="never" nodeType="tmRoot"/>
+      </p:par>
+    </p:tnLst>
+  </p:timing>
 </p:sld>
 </file>
 
@@ -10805,6 +11350,13 @@
       </p:transition>
     </mc:Fallback>
   </mc:AlternateContent>
+  <p:timing>
+    <p:tnLst>
+      <p:par>
+        <p:cTn id="1" dur="indefinite" restart="never" nodeType="tmRoot"/>
+      </p:par>
+    </p:tnLst>
+  </p:timing>
 </p:sld>
 </file>
 
@@ -11341,7 +11893,7 @@
   <a:extraClrSchemeLst/>
   <a:extLst>
     <a:ext uri="{05A4C25C-085E-4340-85A3-A5531E510DB2}">
-      <thm15:themeFamily xmlns="" xmlns:thm15="http://schemas.microsoft.com/office/thememl/2012/main" name="PPT模板V2-Windows-PowerPoint-PPT.potx" id="{20762C19-B23E-4BEB-93D1-C3851CE18177}" vid="{DBA93716-93B0-4C40-BF2A-3EFAFA21AD83}"/>
+      <thm15:themeFamily xmlns:thm15="http://schemas.microsoft.com/office/thememl/2012/main" xmlns="" name="PPT模板V2-Windows-PowerPoint-PPT.potx" id="{20762C19-B23E-4BEB-93D1-C3851CE18177}" vid="{DBA93716-93B0-4C40-BF2A-3EFAFA21AD83}"/>
     </a:ext>
   </a:extLst>
 </a:theme>
@@ -12671,7 +13223,7 @@
   <a:extraClrSchemeLst/>
   <a:extLst>
     <a:ext uri="{05A4C25C-085E-4340-85A3-A5531E510DB2}">
-      <thm15:themeFamily xmlns="" xmlns:thm15="http://schemas.microsoft.com/office/thememl/2012/main" name="Office Theme" id="{62F939B6-93AF-4DB8-9C6B-D6C7DFDC589F}" vid="{4A3C46E8-61CC-4603-A589-7422A47A8E4A}"/>
+      <thm15:themeFamily xmlns:thm15="http://schemas.microsoft.com/office/thememl/2012/main" xmlns="" name="Office Theme" id="{62F939B6-93AF-4DB8-9C6B-D6C7DFDC589F}" vid="{4A3C46E8-61CC-4603-A589-7422A47A8E4A}"/>
     </a:ext>
   </a:extLst>
 </a:theme>
